--- a/Resources/Mockup.pptx
+++ b/Resources/Mockup.pptx
@@ -123,6 +123,35 @@
 </p:presentation>
 </file>
 
+<file path=ppt/changesInfos/changesInfo1.xml><?xml version="1.0" encoding="utf-8"?>
+<pc:chgInfo xmlns:a="http://schemas.openxmlformats.org/drawingml/2006/main" xmlns:r="http://schemas.openxmlformats.org/officeDocument/2006/relationships" xmlns:ac="http://schemas.microsoft.com/office/drawing/2013/main/command" xmlns:pc="http://schemas.microsoft.com/office/powerpoint/2013/main/command">
+  <pc:docChgLst>
+    <pc:chgData name="Chris and Marisa Shideler" userId="9fdb53cd27a090d0" providerId="LiveId" clId="{BDAA89D7-5749-4282-9E8D-F0E1952C1927}"/>
+    <pc:docChg chg="custSel modSld">
+      <pc:chgData name="Chris and Marisa Shideler" userId="9fdb53cd27a090d0" providerId="LiveId" clId="{BDAA89D7-5749-4282-9E8D-F0E1952C1927}" dt="2022-06-21T18:31:29.297" v="0" actId="478"/>
+      <pc:docMkLst>
+        <pc:docMk/>
+      </pc:docMkLst>
+      <pc:sldChg chg="delSp mod">
+        <pc:chgData name="Chris and Marisa Shideler" userId="9fdb53cd27a090d0" providerId="LiveId" clId="{BDAA89D7-5749-4282-9E8D-F0E1952C1927}" dt="2022-06-21T18:31:29.297" v="0" actId="478"/>
+        <pc:sldMkLst>
+          <pc:docMk/>
+          <pc:sldMk cId="1430935324" sldId="256"/>
+        </pc:sldMkLst>
+        <pc:spChg chg="del">
+          <ac:chgData name="Chris and Marisa Shideler" userId="9fdb53cd27a090d0" providerId="LiveId" clId="{BDAA89D7-5749-4282-9E8D-F0E1952C1927}" dt="2022-06-21T18:31:29.297" v="0" actId="478"/>
+          <ac:spMkLst>
+            <pc:docMk/>
+            <pc:sldMk cId="1430935324" sldId="256"/>
+            <ac:spMk id="9" creationId="{EB079F0F-C83C-38F8-A0B2-72E227D321AC}"/>
+          </ac:spMkLst>
+        </pc:spChg>
+      </pc:sldChg>
+    </pc:docChg>
+  </pc:docChgLst>
+</pc:chgInfo>
+</file>
+
 <file path=ppt/slideLayouts/slideLayout1.xml><?xml version="1.0" encoding="utf-8"?>
 <p:sldLayout xmlns:a="http://schemas.openxmlformats.org/drawingml/2006/main" xmlns:r="http://schemas.openxmlformats.org/officeDocument/2006/relationships" xmlns:p="http://schemas.openxmlformats.org/presentationml/2006/main" type="title" preserve="1">
   <p:cSld name="Title Slide">
@@ -270,7 +299,7 @@
           <a:p>
             <a:fld id="{05A04CA7-B65A-4CCC-B1AB-F0252503BBAA}" type="datetimeFigureOut">
               <a:rPr lang="en-US" smtClean="0"/>
-              <a:t>6/16/2022</a:t>
+              <a:t>6/21/2022</a:t>
             </a:fld>
             <a:endParaRPr lang="en-US"/>
           </a:p>
@@ -468,7 +497,7 @@
           <a:p>
             <a:fld id="{05A04CA7-B65A-4CCC-B1AB-F0252503BBAA}" type="datetimeFigureOut">
               <a:rPr lang="en-US" smtClean="0"/>
-              <a:t>6/16/2022</a:t>
+              <a:t>6/21/2022</a:t>
             </a:fld>
             <a:endParaRPr lang="en-US"/>
           </a:p>
@@ -676,7 +705,7 @@
           <a:p>
             <a:fld id="{05A04CA7-B65A-4CCC-B1AB-F0252503BBAA}" type="datetimeFigureOut">
               <a:rPr lang="en-US" smtClean="0"/>
-              <a:t>6/16/2022</a:t>
+              <a:t>6/21/2022</a:t>
             </a:fld>
             <a:endParaRPr lang="en-US"/>
           </a:p>
@@ -874,7 +903,7 @@
           <a:p>
             <a:fld id="{05A04CA7-B65A-4CCC-B1AB-F0252503BBAA}" type="datetimeFigureOut">
               <a:rPr lang="en-US" smtClean="0"/>
-              <a:t>6/16/2022</a:t>
+              <a:t>6/21/2022</a:t>
             </a:fld>
             <a:endParaRPr lang="en-US"/>
           </a:p>
@@ -1149,7 +1178,7 @@
           <a:p>
             <a:fld id="{05A04CA7-B65A-4CCC-B1AB-F0252503BBAA}" type="datetimeFigureOut">
               <a:rPr lang="en-US" smtClean="0"/>
-              <a:t>6/16/2022</a:t>
+              <a:t>6/21/2022</a:t>
             </a:fld>
             <a:endParaRPr lang="en-US"/>
           </a:p>
@@ -1414,7 +1443,7 @@
           <a:p>
             <a:fld id="{05A04CA7-B65A-4CCC-B1AB-F0252503BBAA}" type="datetimeFigureOut">
               <a:rPr lang="en-US" smtClean="0"/>
-              <a:t>6/16/2022</a:t>
+              <a:t>6/21/2022</a:t>
             </a:fld>
             <a:endParaRPr lang="en-US"/>
           </a:p>
@@ -1826,7 +1855,7 @@
           <a:p>
             <a:fld id="{05A04CA7-B65A-4CCC-B1AB-F0252503BBAA}" type="datetimeFigureOut">
               <a:rPr lang="en-US" smtClean="0"/>
-              <a:t>6/16/2022</a:t>
+              <a:t>6/21/2022</a:t>
             </a:fld>
             <a:endParaRPr lang="en-US"/>
           </a:p>
@@ -1967,7 +1996,7 @@
           <a:p>
             <a:fld id="{05A04CA7-B65A-4CCC-B1AB-F0252503BBAA}" type="datetimeFigureOut">
               <a:rPr lang="en-US" smtClean="0"/>
-              <a:t>6/16/2022</a:t>
+              <a:t>6/21/2022</a:t>
             </a:fld>
             <a:endParaRPr lang="en-US"/>
           </a:p>
@@ -2080,7 +2109,7 @@
           <a:p>
             <a:fld id="{05A04CA7-B65A-4CCC-B1AB-F0252503BBAA}" type="datetimeFigureOut">
               <a:rPr lang="en-US" smtClean="0"/>
-              <a:t>6/16/2022</a:t>
+              <a:t>6/21/2022</a:t>
             </a:fld>
             <a:endParaRPr lang="en-US"/>
           </a:p>
@@ -2391,7 +2420,7 @@
           <a:p>
             <a:fld id="{05A04CA7-B65A-4CCC-B1AB-F0252503BBAA}" type="datetimeFigureOut">
               <a:rPr lang="en-US" smtClean="0"/>
-              <a:t>6/16/2022</a:t>
+              <a:t>6/21/2022</a:t>
             </a:fld>
             <a:endParaRPr lang="en-US"/>
           </a:p>
@@ -2679,7 +2708,7 @@
           <a:p>
             <a:fld id="{05A04CA7-B65A-4CCC-B1AB-F0252503BBAA}" type="datetimeFigureOut">
               <a:rPr lang="en-US" smtClean="0"/>
-              <a:t>6/16/2022</a:t>
+              <a:t>6/21/2022</a:t>
             </a:fld>
             <a:endParaRPr lang="en-US"/>
           </a:p>
@@ -2920,7 +2949,7 @@
           <a:p>
             <a:fld id="{05A04CA7-B65A-4CCC-B1AB-F0252503BBAA}" type="datetimeFigureOut">
               <a:rPr lang="en-US" smtClean="0"/>
-              <a:t>6/16/2022</a:t>
+              <a:t>6/21/2022</a:t>
             </a:fld>
             <a:endParaRPr lang="en-US"/>
           </a:p>
@@ -3580,47 +3609,6 @@
           </a:p>
         </p:txBody>
       </p:sp>
-      <p:sp>
-        <p:nvSpPr>
-          <p:cNvPr id="9" name="TextBox 8">
-            <a:extLst>
-              <a:ext uri="{FF2B5EF4-FFF2-40B4-BE49-F238E27FC236}">
-                <a16:creationId xmlns:a16="http://schemas.microsoft.com/office/drawing/2014/main" id="{EB079F0F-C83C-38F8-A0B2-72E227D321AC}"/>
-              </a:ext>
-            </a:extLst>
-          </p:cNvPr>
-          <p:cNvSpPr txBox="1"/>
-          <p:nvPr/>
-        </p:nvSpPr>
-        <p:spPr>
-          <a:xfrm>
-            <a:off x="220133" y="152063"/>
-            <a:ext cx="1634067" cy="646331"/>
-          </a:xfrm>
-          <a:prstGeom prst="rect">
-            <a:avLst/>
-          </a:prstGeom>
-          <a:noFill/>
-          <a:ln>
-            <a:solidFill>
-              <a:schemeClr val="tx1"/>
-            </a:solidFill>
-          </a:ln>
-        </p:spPr>
-        <p:txBody>
-          <a:bodyPr wrap="square" rtlCol="0">
-            <a:spAutoFit/>
-          </a:bodyPr>
-          <a:lstStyle/>
-          <a:p>
-            <a:pPr algn="ctr"/>
-            <a:r>
-              <a:rPr lang="en-US" dirty="0"/>
-              <a:t>Add column for #days open</a:t>
-            </a:r>
-          </a:p>
-        </p:txBody>
-      </p:sp>
     </p:spTree>
     <p:extLst>
       <p:ext uri="{BB962C8B-B14F-4D97-AF65-F5344CB8AC3E}">

--- a/Resources/Mockup.pptx
+++ b/Resources/Mockup.pptx
@@ -123,27 +123,99 @@
 </p:presentation>
 </file>
 
+<file path=ppt/revisionInfo.xml><?xml version="1.0" encoding="utf-8"?>
+<p1510:revInfo xmlns:a="http://schemas.openxmlformats.org/drawingml/2006/main" xmlns:r="http://schemas.openxmlformats.org/officeDocument/2006/relationships" xmlns:p1510="http://schemas.microsoft.com/office/powerpoint/2015/10/main">
+  <p1510:revLst>
+    <p1510:client id="{BDAA89D7-5749-4282-9E8D-F0E1952C1927}" v="4" dt="2022-06-23T15:07:54.617"/>
+  </p1510:revLst>
+</p1510:revInfo>
+</file>
+
 <file path=ppt/changesInfos/changesInfo1.xml><?xml version="1.0" encoding="utf-8"?>
 <pc:chgInfo xmlns:a="http://schemas.openxmlformats.org/drawingml/2006/main" xmlns:r="http://schemas.openxmlformats.org/officeDocument/2006/relationships" xmlns:ac="http://schemas.microsoft.com/office/drawing/2013/main/command" xmlns:pc="http://schemas.microsoft.com/office/powerpoint/2013/main/command">
   <pc:docChgLst>
     <pc:chgData name="Chris and Marisa Shideler" userId="9fdb53cd27a090d0" providerId="LiveId" clId="{BDAA89D7-5749-4282-9E8D-F0E1952C1927}"/>
-    <pc:docChg chg="custSel modSld">
-      <pc:chgData name="Chris and Marisa Shideler" userId="9fdb53cd27a090d0" providerId="LiveId" clId="{BDAA89D7-5749-4282-9E8D-F0E1952C1927}" dt="2022-06-21T18:31:29.297" v="0" actId="478"/>
+    <pc:docChg chg="undo custSel modSld">
+      <pc:chgData name="Chris and Marisa Shideler" userId="9fdb53cd27a090d0" providerId="LiveId" clId="{BDAA89D7-5749-4282-9E8D-F0E1952C1927}" dt="2022-06-23T15:26:11.380" v="337" actId="1076"/>
       <pc:docMkLst>
         <pc:docMk/>
       </pc:docMkLst>
-      <pc:sldChg chg="delSp mod">
-        <pc:chgData name="Chris and Marisa Shideler" userId="9fdb53cd27a090d0" providerId="LiveId" clId="{BDAA89D7-5749-4282-9E8D-F0E1952C1927}" dt="2022-06-21T18:31:29.297" v="0" actId="478"/>
+      <pc:sldChg chg="addSp delSp modSp mod">
+        <pc:chgData name="Chris and Marisa Shideler" userId="9fdb53cd27a090d0" providerId="LiveId" clId="{BDAA89D7-5749-4282-9E8D-F0E1952C1927}" dt="2022-06-23T15:26:11.380" v="337" actId="1076"/>
         <pc:sldMkLst>
           <pc:docMk/>
           <pc:sldMk cId="1430935324" sldId="256"/>
         </pc:sldMkLst>
+        <pc:spChg chg="mod">
+          <ac:chgData name="Chris and Marisa Shideler" userId="9fdb53cd27a090d0" providerId="LiveId" clId="{BDAA89D7-5749-4282-9E8D-F0E1952C1927}" dt="2022-06-23T15:09:19.433" v="276" actId="6549"/>
+          <ac:spMkLst>
+            <pc:docMk/>
+            <pc:sldMk cId="1430935324" sldId="256"/>
+            <ac:spMk id="5" creationId="{E3D2B5C4-6142-F75E-7850-E67059C4DD13}"/>
+          </ac:spMkLst>
+        </pc:spChg>
+        <pc:spChg chg="mod">
+          <ac:chgData name="Chris and Marisa Shideler" userId="9fdb53cd27a090d0" providerId="LiveId" clId="{BDAA89D7-5749-4282-9E8D-F0E1952C1927}" dt="2022-06-23T15:10:40.412" v="311" actId="14100"/>
+          <ac:spMkLst>
+            <pc:docMk/>
+            <pc:sldMk cId="1430935324" sldId="256"/>
+            <ac:spMk id="6" creationId="{05B9FF3A-1FC2-6702-E18E-A392F74752F3}"/>
+          </ac:spMkLst>
+        </pc:spChg>
+        <pc:spChg chg="add del mod">
+          <ac:chgData name="Chris and Marisa Shideler" userId="9fdb53cd27a090d0" providerId="LiveId" clId="{BDAA89D7-5749-4282-9E8D-F0E1952C1927}" dt="2022-06-23T15:10:49.257" v="314" actId="1076"/>
+          <ac:spMkLst>
+            <pc:docMk/>
+            <pc:sldMk cId="1430935324" sldId="256"/>
+            <ac:spMk id="7" creationId="{FFFC4487-3653-2D84-44D5-7F7BF9A7AEEC}"/>
+          </ac:spMkLst>
+        </pc:spChg>
+        <pc:spChg chg="mod">
+          <ac:chgData name="Chris and Marisa Shideler" userId="9fdb53cd27a090d0" providerId="LiveId" clId="{BDAA89D7-5749-4282-9E8D-F0E1952C1927}" dt="2022-06-23T15:11:03.830" v="319" actId="1076"/>
+          <ac:spMkLst>
+            <pc:docMk/>
+            <pc:sldMk cId="1430935324" sldId="256"/>
+            <ac:spMk id="8" creationId="{5FF90F39-7B83-339D-4C79-D1519F52CA99}"/>
+          </ac:spMkLst>
+        </pc:spChg>
+        <pc:spChg chg="add mod">
+          <ac:chgData name="Chris and Marisa Shideler" userId="9fdb53cd27a090d0" providerId="LiveId" clId="{BDAA89D7-5749-4282-9E8D-F0E1952C1927}" dt="2022-06-23T15:26:11.380" v="337" actId="1076"/>
+          <ac:spMkLst>
+            <pc:docMk/>
+            <pc:sldMk cId="1430935324" sldId="256"/>
+            <ac:spMk id="9" creationId="{44B0FA42-7AC8-EBE1-7C70-81CDE9B94637}"/>
+          </ac:spMkLst>
+        </pc:spChg>
         <pc:spChg chg="del">
           <ac:chgData name="Chris and Marisa Shideler" userId="9fdb53cd27a090d0" providerId="LiveId" clId="{BDAA89D7-5749-4282-9E8D-F0E1952C1927}" dt="2022-06-21T18:31:29.297" v="0" actId="478"/>
           <ac:spMkLst>
             <pc:docMk/>
             <pc:sldMk cId="1430935324" sldId="256"/>
             <ac:spMk id="9" creationId="{EB079F0F-C83C-38F8-A0B2-72E227D321AC}"/>
+          </ac:spMkLst>
+        </pc:spChg>
+        <pc:spChg chg="add mod">
+          <ac:chgData name="Chris and Marisa Shideler" userId="9fdb53cd27a090d0" providerId="LiveId" clId="{BDAA89D7-5749-4282-9E8D-F0E1952C1927}" dt="2022-06-23T15:10:45.699" v="313" actId="1076"/>
+          <ac:spMkLst>
+            <pc:docMk/>
+            <pc:sldMk cId="1430935324" sldId="256"/>
+            <ac:spMk id="10" creationId="{48D31BD1-11D2-4ED6-CFE3-D352C9C02BA5}"/>
+          </ac:spMkLst>
+        </pc:spChg>
+        <pc:spChg chg="add mod">
+          <ac:chgData name="Chris and Marisa Shideler" userId="9fdb53cd27a090d0" providerId="LiveId" clId="{BDAA89D7-5749-4282-9E8D-F0E1952C1927}" dt="2022-06-23T15:10:42.937" v="312" actId="1076"/>
+          <ac:spMkLst>
+            <pc:docMk/>
+            <pc:sldMk cId="1430935324" sldId="256"/>
+            <ac:spMk id="11" creationId="{26EA380F-D5A3-2694-FBC5-992B761B3332}"/>
+          </ac:spMkLst>
+        </pc:spChg>
+        <pc:spChg chg="add mod">
+          <ac:chgData name="Chris and Marisa Shideler" userId="9fdb53cd27a090d0" providerId="LiveId" clId="{BDAA89D7-5749-4282-9E8D-F0E1952C1927}" dt="2022-06-23T15:11:01.030" v="318" actId="1076"/>
+          <ac:spMkLst>
+            <pc:docMk/>
+            <pc:sldMk cId="1430935324" sldId="256"/>
+            <ac:spMk id="12" creationId="{7E9D09D1-8FD0-AD21-CC60-38C2FCCC81B6}"/>
           </ac:spMkLst>
         </pc:spChg>
       </pc:sldChg>
@@ -299,7 +371,7 @@
           <a:p>
             <a:fld id="{05A04CA7-B65A-4CCC-B1AB-F0252503BBAA}" type="datetimeFigureOut">
               <a:rPr lang="en-US" smtClean="0"/>
-              <a:t>6/21/2022</a:t>
+              <a:t>6/22/2022</a:t>
             </a:fld>
             <a:endParaRPr lang="en-US"/>
           </a:p>
@@ -497,7 +569,7 @@
           <a:p>
             <a:fld id="{05A04CA7-B65A-4CCC-B1AB-F0252503BBAA}" type="datetimeFigureOut">
               <a:rPr lang="en-US" smtClean="0"/>
-              <a:t>6/21/2022</a:t>
+              <a:t>6/22/2022</a:t>
             </a:fld>
             <a:endParaRPr lang="en-US"/>
           </a:p>
@@ -705,7 +777,7 @@
           <a:p>
             <a:fld id="{05A04CA7-B65A-4CCC-B1AB-F0252503BBAA}" type="datetimeFigureOut">
               <a:rPr lang="en-US" smtClean="0"/>
-              <a:t>6/21/2022</a:t>
+              <a:t>6/22/2022</a:t>
             </a:fld>
             <a:endParaRPr lang="en-US"/>
           </a:p>
@@ -903,7 +975,7 @@
           <a:p>
             <a:fld id="{05A04CA7-B65A-4CCC-B1AB-F0252503BBAA}" type="datetimeFigureOut">
               <a:rPr lang="en-US" smtClean="0"/>
-              <a:t>6/21/2022</a:t>
+              <a:t>6/22/2022</a:t>
             </a:fld>
             <a:endParaRPr lang="en-US"/>
           </a:p>
@@ -1178,7 +1250,7 @@
           <a:p>
             <a:fld id="{05A04CA7-B65A-4CCC-B1AB-F0252503BBAA}" type="datetimeFigureOut">
               <a:rPr lang="en-US" smtClean="0"/>
-              <a:t>6/21/2022</a:t>
+              <a:t>6/22/2022</a:t>
             </a:fld>
             <a:endParaRPr lang="en-US"/>
           </a:p>
@@ -1443,7 +1515,7 @@
           <a:p>
             <a:fld id="{05A04CA7-B65A-4CCC-B1AB-F0252503BBAA}" type="datetimeFigureOut">
               <a:rPr lang="en-US" smtClean="0"/>
-              <a:t>6/21/2022</a:t>
+              <a:t>6/22/2022</a:t>
             </a:fld>
             <a:endParaRPr lang="en-US"/>
           </a:p>
@@ -1855,7 +1927,7 @@
           <a:p>
             <a:fld id="{05A04CA7-B65A-4CCC-B1AB-F0252503BBAA}" type="datetimeFigureOut">
               <a:rPr lang="en-US" smtClean="0"/>
-              <a:t>6/21/2022</a:t>
+              <a:t>6/22/2022</a:t>
             </a:fld>
             <a:endParaRPr lang="en-US"/>
           </a:p>
@@ -1996,7 +2068,7 @@
           <a:p>
             <a:fld id="{05A04CA7-B65A-4CCC-B1AB-F0252503BBAA}" type="datetimeFigureOut">
               <a:rPr lang="en-US" smtClean="0"/>
-              <a:t>6/21/2022</a:t>
+              <a:t>6/22/2022</a:t>
             </a:fld>
             <a:endParaRPr lang="en-US"/>
           </a:p>
@@ -2109,7 +2181,7 @@
           <a:p>
             <a:fld id="{05A04CA7-B65A-4CCC-B1AB-F0252503BBAA}" type="datetimeFigureOut">
               <a:rPr lang="en-US" smtClean="0"/>
-              <a:t>6/21/2022</a:t>
+              <a:t>6/22/2022</a:t>
             </a:fld>
             <a:endParaRPr lang="en-US"/>
           </a:p>
@@ -2420,7 +2492,7 @@
           <a:p>
             <a:fld id="{05A04CA7-B65A-4CCC-B1AB-F0252503BBAA}" type="datetimeFigureOut">
               <a:rPr lang="en-US" smtClean="0"/>
-              <a:t>6/21/2022</a:t>
+              <a:t>6/22/2022</a:t>
             </a:fld>
             <a:endParaRPr lang="en-US"/>
           </a:p>
@@ -2708,7 +2780,7 @@
           <a:p>
             <a:fld id="{05A04CA7-B65A-4CCC-B1AB-F0252503BBAA}" type="datetimeFigureOut">
               <a:rPr lang="en-US" smtClean="0"/>
-              <a:t>6/21/2022</a:t>
+              <a:t>6/22/2022</a:t>
             </a:fld>
             <a:endParaRPr lang="en-US"/>
           </a:p>
@@ -2949,7 +3021,7 @@
           <a:p>
             <a:fld id="{05A04CA7-B65A-4CCC-B1AB-F0252503BBAA}" type="datetimeFigureOut">
               <a:rPr lang="en-US" smtClean="0"/>
-              <a:t>6/21/2022</a:t>
+              <a:t>6/22/2022</a:t>
             </a:fld>
             <a:endParaRPr lang="en-US"/>
           </a:p>
@@ -3421,8 +3493,8 @@
         </p:nvSpPr>
         <p:spPr>
           <a:xfrm>
-            <a:off x="1532467" y="1016000"/>
-            <a:ext cx="1710266" cy="1754326"/>
+            <a:off x="395329" y="862729"/>
+            <a:ext cx="2441656" cy="2031325"/>
           </a:xfrm>
           <a:prstGeom prst="rect">
             <a:avLst/>
@@ -3442,7 +3514,7 @@
           <a:p>
             <a:r>
               <a:rPr lang="en-US" dirty="0"/>
-              <a:t>Search Criteria:</a:t>
+              <a:t>Select Criteria:</a:t>
             </a:r>
           </a:p>
           <a:p>
@@ -3454,7 +3526,7 @@
           <a:p>
             <a:r>
               <a:rPr lang="en-US" dirty="0"/>
-              <a:t>Account (Category)</a:t>
+              <a:t>Category</a:t>
             </a:r>
           </a:p>
           <a:p>
@@ -3466,6 +3538,12 @@
           <a:p>
             <a:endParaRPr lang="en-US" dirty="0"/>
           </a:p>
+          <a:p>
+            <a:r>
+              <a:rPr lang="en-US" dirty="0"/>
+              <a:t>Select item within selected criteria</a:t>
+            </a:r>
+          </a:p>
         </p:txBody>
       </p:sp>
       <p:sp>
@@ -3482,7 +3560,50 @@
         </p:nvSpPr>
         <p:spPr>
           <a:xfrm>
-            <a:off x="4809067" y="1016000"/>
+            <a:off x="3246967" y="901098"/>
+            <a:ext cx="3505526" cy="923330"/>
+          </a:xfrm>
+          <a:prstGeom prst="rect">
+            <a:avLst/>
+          </a:prstGeom>
+          <a:noFill/>
+          <a:ln>
+            <a:solidFill>
+              <a:schemeClr val="tx1"/>
+            </a:solidFill>
+          </a:ln>
+        </p:spPr>
+        <p:txBody>
+          <a:bodyPr wrap="square" rtlCol="0">
+            <a:spAutoFit/>
+          </a:bodyPr>
+          <a:lstStyle/>
+          <a:p>
+            <a:r>
+              <a:rPr lang="en-US" dirty="0"/>
+              <a:t>Assignee’s qty open tickets and by priority, category, subcategory</a:t>
+            </a:r>
+          </a:p>
+          <a:p>
+            <a:endParaRPr lang="en-US" dirty="0"/>
+          </a:p>
+        </p:txBody>
+      </p:sp>
+      <p:sp>
+        <p:nvSpPr>
+          <p:cNvPr id="7" name="TextBox 6">
+            <a:extLst>
+              <a:ext uri="{FF2B5EF4-FFF2-40B4-BE49-F238E27FC236}">
+                <a16:creationId xmlns:a16="http://schemas.microsoft.com/office/drawing/2014/main" id="{FFFC4487-3653-2D84-44D5-7F7BF9A7AEEC}"/>
+              </a:ext>
+            </a:extLst>
+          </p:cNvPr>
+          <p:cNvSpPr txBox="1"/>
+          <p:nvPr/>
+        </p:nvSpPr>
+        <p:spPr>
+          <a:xfrm>
+            <a:off x="7550640" y="862729"/>
             <a:ext cx="3124200" cy="923330"/>
           </a:xfrm>
           <a:prstGeom prst="rect">
@@ -3503,7 +3624,7 @@
           <a:p>
             <a:r>
               <a:rPr lang="en-US" dirty="0"/>
-              <a:t>Qty open tickets and by category, subcategory</a:t>
+              <a:t>Assignee’s ratings by category, subcategory</a:t>
             </a:r>
           </a:p>
           <a:p>
@@ -3513,10 +3634,10 @@
       </p:sp>
       <p:sp>
         <p:nvSpPr>
-          <p:cNvPr id="7" name="TextBox 6">
-            <a:extLst>
-              <a:ext uri="{FF2B5EF4-FFF2-40B4-BE49-F238E27FC236}">
-                <a16:creationId xmlns:a16="http://schemas.microsoft.com/office/drawing/2014/main" id="{FFFC4487-3653-2D84-44D5-7F7BF9A7AEEC}"/>
+          <p:cNvPr id="8" name="TextBox 7">
+            <a:extLst>
+              <a:ext uri="{FF2B5EF4-FFF2-40B4-BE49-F238E27FC236}">
+                <a16:creationId xmlns:a16="http://schemas.microsoft.com/office/drawing/2014/main" id="{5FF90F39-7B83-339D-4C79-D1519F52CA99}"/>
               </a:ext>
             </a:extLst>
           </p:cNvPr>
@@ -3525,7 +3646,96 @@
         </p:nvSpPr>
         <p:spPr>
           <a:xfrm>
-            <a:off x="8602133" y="1016000"/>
+            <a:off x="4021668" y="4141374"/>
+            <a:ext cx="6917266" cy="369332"/>
+          </a:xfrm>
+          <a:prstGeom prst="rect">
+            <a:avLst/>
+          </a:prstGeom>
+          <a:noFill/>
+          <a:ln>
+            <a:solidFill>
+              <a:schemeClr val="tx1"/>
+            </a:solidFill>
+          </a:ln>
+        </p:spPr>
+        <p:txBody>
+          <a:bodyPr wrap="square" rtlCol="0">
+            <a:spAutoFit/>
+          </a:bodyPr>
+          <a:lstStyle/>
+          <a:p>
+            <a:r>
+              <a:rPr lang="en-US" dirty="0"/>
+              <a:t>List of open/closed tickets</a:t>
+            </a:r>
+          </a:p>
+        </p:txBody>
+      </p:sp>
+      <p:sp>
+        <p:nvSpPr>
+          <p:cNvPr id="9" name="TextBox 8">
+            <a:extLst>
+              <a:ext uri="{FF2B5EF4-FFF2-40B4-BE49-F238E27FC236}">
+                <a16:creationId xmlns:a16="http://schemas.microsoft.com/office/drawing/2014/main" id="{44B0FA42-7AC8-EBE1-7C70-81CDE9B94637}"/>
+              </a:ext>
+            </a:extLst>
+          </p:cNvPr>
+          <p:cNvSpPr txBox="1"/>
+          <p:nvPr/>
+        </p:nvSpPr>
+        <p:spPr>
+          <a:xfrm>
+            <a:off x="4370755" y="3007632"/>
+            <a:ext cx="3832468" cy="1200329"/>
+          </a:xfrm>
+          <a:prstGeom prst="rect">
+            <a:avLst/>
+          </a:prstGeom>
+          <a:noFill/>
+          <a:ln>
+            <a:solidFill>
+              <a:schemeClr val="tx1"/>
+            </a:solidFill>
+          </a:ln>
+        </p:spPr>
+        <p:txBody>
+          <a:bodyPr wrap="square" rtlCol="0">
+            <a:spAutoFit/>
+          </a:bodyPr>
+          <a:lstStyle/>
+          <a:p>
+            <a:r>
+              <a:rPr lang="en-US" dirty="0"/>
+              <a:t>Categories qty open tickets by subcategory and bins for days open</a:t>
+            </a:r>
+          </a:p>
+          <a:p>
+            <a:r>
+              <a:rPr lang="en-US" dirty="0"/>
+              <a:t>For all tickets</a:t>
+            </a:r>
+          </a:p>
+          <a:p>
+            <a:endParaRPr lang="en-US" dirty="0"/>
+          </a:p>
+        </p:txBody>
+      </p:sp>
+      <p:sp>
+        <p:nvSpPr>
+          <p:cNvPr id="10" name="TextBox 9">
+            <a:extLst>
+              <a:ext uri="{FF2B5EF4-FFF2-40B4-BE49-F238E27FC236}">
+                <a16:creationId xmlns:a16="http://schemas.microsoft.com/office/drawing/2014/main" id="{48D31BD1-11D2-4ED6-CFE3-D352C9C02BA5}"/>
+              </a:ext>
+            </a:extLst>
+          </p:cNvPr>
+          <p:cNvSpPr txBox="1"/>
+          <p:nvPr/>
+        </p:nvSpPr>
+        <p:spPr>
+          <a:xfrm>
+            <a:off x="7550640" y="2034840"/>
             <a:ext cx="3124200" cy="923330"/>
           </a:xfrm>
           <a:prstGeom prst="rect">
@@ -3546,7 +3756,7 @@
           <a:p>
             <a:r>
               <a:rPr lang="en-US" dirty="0"/>
-              <a:t>Qty closed tickets and by category, subcategory</a:t>
+              <a:t>Assignee’s qty open tickets by bins for days open</a:t>
             </a:r>
           </a:p>
           <a:p>
@@ -3556,10 +3766,10 @@
       </p:sp>
       <p:sp>
         <p:nvSpPr>
-          <p:cNvPr id="8" name="TextBox 7">
-            <a:extLst>
-              <a:ext uri="{FF2B5EF4-FFF2-40B4-BE49-F238E27FC236}">
-                <a16:creationId xmlns:a16="http://schemas.microsoft.com/office/drawing/2014/main" id="{5FF90F39-7B83-339D-4C79-D1519F52CA99}"/>
+          <p:cNvPr id="11" name="TextBox 10">
+            <a:extLst>
+              <a:ext uri="{FF2B5EF4-FFF2-40B4-BE49-F238E27FC236}">
+                <a16:creationId xmlns:a16="http://schemas.microsoft.com/office/drawing/2014/main" id="{26EA380F-D5A3-2694-FBC5-992B761B3332}"/>
               </a:ext>
             </a:extLst>
           </p:cNvPr>
@@ -3568,8 +3778,8 @@
         </p:nvSpPr>
         <p:spPr>
           <a:xfrm>
-            <a:off x="4809067" y="2405797"/>
-            <a:ext cx="6917266" cy="1200329"/>
+            <a:off x="3246967" y="2065623"/>
+            <a:ext cx="3124200" cy="923330"/>
           </a:xfrm>
           <a:prstGeom prst="rect">
             <a:avLst/>
@@ -3589,19 +3799,89 @@
           <a:p>
             <a:r>
               <a:rPr lang="en-US" dirty="0"/>
-              <a:t>List of open/closed tickets by assignee</a:t>
-            </a:r>
-          </a:p>
+              <a:t>Assignee’s qty open tickets by bins for days open</a:t>
+            </a:r>
+          </a:p>
+          <a:p>
+            <a:endParaRPr lang="en-US" dirty="0"/>
+          </a:p>
+        </p:txBody>
+      </p:sp>
+      <p:sp>
+        <p:nvSpPr>
+          <p:cNvPr id="12" name="TextBox 11">
+            <a:extLst>
+              <a:ext uri="{FF2B5EF4-FFF2-40B4-BE49-F238E27FC236}">
+                <a16:creationId xmlns:a16="http://schemas.microsoft.com/office/drawing/2014/main" id="{7E9D09D1-8FD0-AD21-CC60-38C2FCCC81B6}"/>
+              </a:ext>
+            </a:extLst>
+          </p:cNvPr>
+          <p:cNvSpPr txBox="1"/>
+          <p:nvPr/>
+        </p:nvSpPr>
+        <p:spPr>
+          <a:xfrm>
+            <a:off x="369275" y="4141374"/>
+            <a:ext cx="2991991" cy="2585323"/>
+          </a:xfrm>
+          <a:prstGeom prst="rect">
+            <a:avLst/>
+          </a:prstGeom>
+          <a:noFill/>
+          <a:ln>
+            <a:solidFill>
+              <a:schemeClr val="tx1"/>
+            </a:solidFill>
+          </a:ln>
+        </p:spPr>
+        <p:txBody>
+          <a:bodyPr wrap="square" rtlCol="0">
+            <a:spAutoFit/>
+          </a:bodyPr>
+          <a:lstStyle/>
           <a:p>
             <a:r>
               <a:rPr lang="en-US" dirty="0"/>
-              <a:t>List of open/closed tickets by account</a:t>
+              <a:t>Search Criteria:</a:t>
             </a:r>
           </a:p>
           <a:p>
             <a:r>
               <a:rPr lang="en-US" dirty="0"/>
-              <a:t>List of open/closed tickets by subcategory</a:t>
+              <a:t>Assignee</a:t>
+            </a:r>
+          </a:p>
+          <a:p>
+            <a:r>
+              <a:rPr lang="en-US" dirty="0"/>
+              <a:t>Category</a:t>
+            </a:r>
+          </a:p>
+          <a:p>
+            <a:r>
+              <a:rPr lang="en-US" dirty="0"/>
+              <a:t>Subcategory</a:t>
+            </a:r>
+          </a:p>
+          <a:p>
+            <a:endParaRPr lang="en-US" dirty="0"/>
+          </a:p>
+          <a:p>
+            <a:r>
+              <a:rPr lang="en-US" dirty="0"/>
+              <a:t>Specify:</a:t>
+            </a:r>
+          </a:p>
+          <a:p>
+            <a:r>
+              <a:rPr lang="en-US" dirty="0"/>
+              <a:t>Open</a:t>
+            </a:r>
+          </a:p>
+          <a:p>
+            <a:r>
+              <a:rPr lang="en-US" dirty="0"/>
+              <a:t>Closed</a:t>
             </a:r>
           </a:p>
           <a:p>

--- a/Resources/Mockup.pptx
+++ b/Resources/Mockup.pptx
@@ -6,6 +6,7 @@
   </p:sldMasterIdLst>
   <p:sldIdLst>
     <p:sldId id="256" r:id="rId2"/>
+    <p:sldId id="257" r:id="rId3"/>
   </p:sldIdLst>
   <p:sldSz cx="12192000" cy="6858000"/>
   <p:notesSz cx="6858000" cy="9144000"/>
@@ -126,7 +127,7 @@
 <file path=ppt/revisionInfo.xml><?xml version="1.0" encoding="utf-8"?>
 <p1510:revInfo xmlns:a="http://schemas.openxmlformats.org/drawingml/2006/main" xmlns:r="http://schemas.openxmlformats.org/officeDocument/2006/relationships" xmlns:p1510="http://schemas.microsoft.com/office/powerpoint/2015/10/main">
   <p1510:revLst>
-    <p1510:client id="{BDAA89D7-5749-4282-9E8D-F0E1952C1927}" v="4" dt="2022-06-23T15:07:54.617"/>
+    <p1510:client id="{BDAA89D7-5749-4282-9E8D-F0E1952C1927}" v="10" dt="2022-06-24T13:42:21.351"/>
   </p1510:revLst>
 </p1510:revInfo>
 </file>
@@ -135,8 +136,8 @@
 <pc:chgInfo xmlns:a="http://schemas.openxmlformats.org/drawingml/2006/main" xmlns:r="http://schemas.openxmlformats.org/officeDocument/2006/relationships" xmlns:ac="http://schemas.microsoft.com/office/drawing/2013/main/command" xmlns:pc="http://schemas.microsoft.com/office/powerpoint/2013/main/command">
   <pc:docChgLst>
     <pc:chgData name="Chris and Marisa Shideler" userId="9fdb53cd27a090d0" providerId="LiveId" clId="{BDAA89D7-5749-4282-9E8D-F0E1952C1927}"/>
-    <pc:docChg chg="undo custSel modSld">
-      <pc:chgData name="Chris and Marisa Shideler" userId="9fdb53cd27a090d0" providerId="LiveId" clId="{BDAA89D7-5749-4282-9E8D-F0E1952C1927}" dt="2022-06-23T15:26:11.380" v="337" actId="1076"/>
+    <pc:docChg chg="undo custSel addSld modSld">
+      <pc:chgData name="Chris and Marisa Shideler" userId="9fdb53cd27a090d0" providerId="LiveId" clId="{BDAA89D7-5749-4282-9E8D-F0E1952C1927}" dt="2022-06-24T15:47:00.907" v="494" actId="20577"/>
       <pc:docMkLst>
         <pc:docMk/>
       </pc:docMkLst>
@@ -219,6 +220,77 @@
           </ac:spMkLst>
         </pc:spChg>
       </pc:sldChg>
+      <pc:sldChg chg="addSp delSp modSp new mod modClrScheme chgLayout">
+        <pc:chgData name="Chris and Marisa Shideler" userId="9fdb53cd27a090d0" providerId="LiveId" clId="{BDAA89D7-5749-4282-9E8D-F0E1952C1927}" dt="2022-06-24T15:47:00.907" v="494" actId="20577"/>
+        <pc:sldMkLst>
+          <pc:docMk/>
+          <pc:sldMk cId="701534512" sldId="257"/>
+        </pc:sldMkLst>
+        <pc:spChg chg="del">
+          <ac:chgData name="Chris and Marisa Shideler" userId="9fdb53cd27a090d0" providerId="LiveId" clId="{BDAA89D7-5749-4282-9E8D-F0E1952C1927}" dt="2022-06-24T13:37:54.941" v="339" actId="700"/>
+          <ac:spMkLst>
+            <pc:docMk/>
+            <pc:sldMk cId="701534512" sldId="257"/>
+            <ac:spMk id="2" creationId="{A2D83069-2EE8-2BD1-7AB4-06EB91811A03}"/>
+          </ac:spMkLst>
+        </pc:spChg>
+        <pc:spChg chg="del">
+          <ac:chgData name="Chris and Marisa Shideler" userId="9fdb53cd27a090d0" providerId="LiveId" clId="{BDAA89D7-5749-4282-9E8D-F0E1952C1927}" dt="2022-06-24T13:37:54.941" v="339" actId="700"/>
+          <ac:spMkLst>
+            <pc:docMk/>
+            <pc:sldMk cId="701534512" sldId="257"/>
+            <ac:spMk id="3" creationId="{9D4C008E-2A6C-54AF-1AF1-17804D73FB94}"/>
+          </ac:spMkLst>
+        </pc:spChg>
+        <pc:spChg chg="add mod">
+          <ac:chgData name="Chris and Marisa Shideler" userId="9fdb53cd27a090d0" providerId="LiveId" clId="{BDAA89D7-5749-4282-9E8D-F0E1952C1927}" dt="2022-06-24T13:38:00.310" v="340"/>
+          <ac:spMkLst>
+            <pc:docMk/>
+            <pc:sldMk cId="701534512" sldId="257"/>
+            <ac:spMk id="4" creationId="{A0F51627-8FCE-F72E-4ADF-560FD3346C53}"/>
+          </ac:spMkLst>
+        </pc:spChg>
+        <pc:spChg chg="add mod">
+          <ac:chgData name="Chris and Marisa Shideler" userId="9fdb53cd27a090d0" providerId="LiveId" clId="{BDAA89D7-5749-4282-9E8D-F0E1952C1927}" dt="2022-06-24T13:44:15.895" v="493" actId="20577"/>
+          <ac:spMkLst>
+            <pc:docMk/>
+            <pc:sldMk cId="701534512" sldId="257"/>
+            <ac:spMk id="5" creationId="{2E54294C-1BAD-0DE6-FF71-979252487F8D}"/>
+          </ac:spMkLst>
+        </pc:spChg>
+        <pc:spChg chg="add mod">
+          <ac:chgData name="Chris and Marisa Shideler" userId="9fdb53cd27a090d0" providerId="LiveId" clId="{BDAA89D7-5749-4282-9E8D-F0E1952C1927}" dt="2022-06-24T13:39:21.987" v="365" actId="1076"/>
+          <ac:spMkLst>
+            <pc:docMk/>
+            <pc:sldMk cId="701534512" sldId="257"/>
+            <ac:spMk id="6" creationId="{726B564E-A3B8-AA4A-0DD9-7B14455AE6E8}"/>
+          </ac:spMkLst>
+        </pc:spChg>
+        <pc:spChg chg="add mod">
+          <ac:chgData name="Chris and Marisa Shideler" userId="9fdb53cd27a090d0" providerId="LiveId" clId="{BDAA89D7-5749-4282-9E8D-F0E1952C1927}" dt="2022-06-24T15:47:00.907" v="494" actId="20577"/>
+          <ac:spMkLst>
+            <pc:docMk/>
+            <pc:sldMk cId="701534512" sldId="257"/>
+            <ac:spMk id="7" creationId="{74F96175-43A7-3DFE-29FC-ED615B3C8E2F}"/>
+          </ac:spMkLst>
+        </pc:spChg>
+        <pc:spChg chg="add mod">
+          <ac:chgData name="Chris and Marisa Shideler" userId="9fdb53cd27a090d0" providerId="LiveId" clId="{BDAA89D7-5749-4282-9E8D-F0E1952C1927}" dt="2022-06-24T13:41:13.268" v="463" actId="20577"/>
+          <ac:spMkLst>
+            <pc:docMk/>
+            <pc:sldMk cId="701534512" sldId="257"/>
+            <ac:spMk id="8" creationId="{3D693245-552E-D6C2-2344-211E57F185E8}"/>
+          </ac:spMkLst>
+        </pc:spChg>
+        <pc:spChg chg="add mod">
+          <ac:chgData name="Chris and Marisa Shideler" userId="9fdb53cd27a090d0" providerId="LiveId" clId="{BDAA89D7-5749-4282-9E8D-F0E1952C1927}" dt="2022-06-24T13:43:05.920" v="489" actId="1076"/>
+          <ac:spMkLst>
+            <pc:docMk/>
+            <pc:sldMk cId="701534512" sldId="257"/>
+            <ac:spMk id="9" creationId="{21D16B43-EE86-1867-43C8-A4A962E8913F}"/>
+          </ac:spMkLst>
+        </pc:spChg>
+      </pc:sldChg>
     </pc:docChg>
   </pc:docChgLst>
 </pc:chgInfo>
@@ -371,7 +443,7 @@
           <a:p>
             <a:fld id="{05A04CA7-B65A-4CCC-B1AB-F0252503BBAA}" type="datetimeFigureOut">
               <a:rPr lang="en-US" smtClean="0"/>
-              <a:t>6/22/2022</a:t>
+              <a:t>6/23/2022</a:t>
             </a:fld>
             <a:endParaRPr lang="en-US"/>
           </a:p>
@@ -569,7 +641,7 @@
           <a:p>
             <a:fld id="{05A04CA7-B65A-4CCC-B1AB-F0252503BBAA}" type="datetimeFigureOut">
               <a:rPr lang="en-US" smtClean="0"/>
-              <a:t>6/22/2022</a:t>
+              <a:t>6/23/2022</a:t>
             </a:fld>
             <a:endParaRPr lang="en-US"/>
           </a:p>
@@ -777,7 +849,7 @@
           <a:p>
             <a:fld id="{05A04CA7-B65A-4CCC-B1AB-F0252503BBAA}" type="datetimeFigureOut">
               <a:rPr lang="en-US" smtClean="0"/>
-              <a:t>6/22/2022</a:t>
+              <a:t>6/23/2022</a:t>
             </a:fld>
             <a:endParaRPr lang="en-US"/>
           </a:p>
@@ -975,7 +1047,7 @@
           <a:p>
             <a:fld id="{05A04CA7-B65A-4CCC-B1AB-F0252503BBAA}" type="datetimeFigureOut">
               <a:rPr lang="en-US" smtClean="0"/>
-              <a:t>6/22/2022</a:t>
+              <a:t>6/23/2022</a:t>
             </a:fld>
             <a:endParaRPr lang="en-US"/>
           </a:p>
@@ -1250,7 +1322,7 @@
           <a:p>
             <a:fld id="{05A04CA7-B65A-4CCC-B1AB-F0252503BBAA}" type="datetimeFigureOut">
               <a:rPr lang="en-US" smtClean="0"/>
-              <a:t>6/22/2022</a:t>
+              <a:t>6/23/2022</a:t>
             </a:fld>
             <a:endParaRPr lang="en-US"/>
           </a:p>
@@ -1515,7 +1587,7 @@
           <a:p>
             <a:fld id="{05A04CA7-B65A-4CCC-B1AB-F0252503BBAA}" type="datetimeFigureOut">
               <a:rPr lang="en-US" smtClean="0"/>
-              <a:t>6/22/2022</a:t>
+              <a:t>6/23/2022</a:t>
             </a:fld>
             <a:endParaRPr lang="en-US"/>
           </a:p>
@@ -1927,7 +1999,7 @@
           <a:p>
             <a:fld id="{05A04CA7-B65A-4CCC-B1AB-F0252503BBAA}" type="datetimeFigureOut">
               <a:rPr lang="en-US" smtClean="0"/>
-              <a:t>6/22/2022</a:t>
+              <a:t>6/23/2022</a:t>
             </a:fld>
             <a:endParaRPr lang="en-US"/>
           </a:p>
@@ -2068,7 +2140,7 @@
           <a:p>
             <a:fld id="{05A04CA7-B65A-4CCC-B1AB-F0252503BBAA}" type="datetimeFigureOut">
               <a:rPr lang="en-US" smtClean="0"/>
-              <a:t>6/22/2022</a:t>
+              <a:t>6/23/2022</a:t>
             </a:fld>
             <a:endParaRPr lang="en-US"/>
           </a:p>
@@ -2181,7 +2253,7 @@
           <a:p>
             <a:fld id="{05A04CA7-B65A-4CCC-B1AB-F0252503BBAA}" type="datetimeFigureOut">
               <a:rPr lang="en-US" smtClean="0"/>
-              <a:t>6/22/2022</a:t>
+              <a:t>6/23/2022</a:t>
             </a:fld>
             <a:endParaRPr lang="en-US"/>
           </a:p>
@@ -2492,7 +2564,7 @@
           <a:p>
             <a:fld id="{05A04CA7-B65A-4CCC-B1AB-F0252503BBAA}" type="datetimeFigureOut">
               <a:rPr lang="en-US" smtClean="0"/>
-              <a:t>6/22/2022</a:t>
+              <a:t>6/23/2022</a:t>
             </a:fld>
             <a:endParaRPr lang="en-US"/>
           </a:p>
@@ -2780,7 +2852,7 @@
           <a:p>
             <a:fld id="{05A04CA7-B65A-4CCC-B1AB-F0252503BBAA}" type="datetimeFigureOut">
               <a:rPr lang="en-US" smtClean="0"/>
-              <a:t>6/22/2022</a:t>
+              <a:t>6/23/2022</a:t>
             </a:fld>
             <a:endParaRPr lang="en-US"/>
           </a:p>
@@ -3021,7 +3093,7 @@
           <a:p>
             <a:fld id="{05A04CA7-B65A-4CCC-B1AB-F0252503BBAA}" type="datetimeFigureOut">
               <a:rPr lang="en-US" smtClean="0"/>
-              <a:t>6/22/2022</a:t>
+              <a:t>6/23/2022</a:t>
             </a:fld>
             <a:endParaRPr lang="en-US"/>
           </a:p>
@@ -3902,6 +3974,303 @@
 </p:sld>
 </file>
 
+<file path=ppt/slides/slide2.xml><?xml version="1.0" encoding="utf-8"?>
+<p:sld xmlns:a="http://schemas.openxmlformats.org/drawingml/2006/main" xmlns:r="http://schemas.openxmlformats.org/officeDocument/2006/relationships" xmlns:p="http://schemas.openxmlformats.org/presentationml/2006/main">
+  <p:cSld>
+    <p:spTree>
+      <p:nvGrpSpPr>
+        <p:cNvPr id="1" name=""/>
+        <p:cNvGrpSpPr/>
+        <p:nvPr/>
+      </p:nvGrpSpPr>
+      <p:grpSpPr>
+        <a:xfrm>
+          <a:off x="0" y="0"/>
+          <a:ext cx="0" cy="0"/>
+          <a:chOff x="0" y="0"/>
+          <a:chExt cx="0" cy="0"/>
+        </a:xfrm>
+      </p:grpSpPr>
+      <p:sp>
+        <p:nvSpPr>
+          <p:cNvPr id="4" name="TextBox 3">
+            <a:extLst>
+              <a:ext uri="{FF2B5EF4-FFF2-40B4-BE49-F238E27FC236}">
+                <a16:creationId xmlns:a16="http://schemas.microsoft.com/office/drawing/2014/main" id="{A0F51627-8FCE-F72E-4ADF-560FD3346C53}"/>
+              </a:ext>
+            </a:extLst>
+          </p:cNvPr>
+          <p:cNvSpPr txBox="1"/>
+          <p:nvPr/>
+        </p:nvSpPr>
+        <p:spPr>
+          <a:xfrm>
+            <a:off x="3361266" y="211667"/>
+            <a:ext cx="5469467" cy="369332"/>
+          </a:xfrm>
+          <a:prstGeom prst="rect">
+            <a:avLst/>
+          </a:prstGeom>
+          <a:noFill/>
+          <a:ln>
+            <a:solidFill>
+              <a:schemeClr val="tx1"/>
+            </a:solidFill>
+          </a:ln>
+        </p:spPr>
+        <p:txBody>
+          <a:bodyPr wrap="square" rtlCol="0">
+            <a:spAutoFit/>
+          </a:bodyPr>
+          <a:lstStyle/>
+          <a:p>
+            <a:pPr algn="ctr"/>
+            <a:r>
+              <a:rPr lang="en-US" dirty="0"/>
+              <a:t>Jumbotron</a:t>
+            </a:r>
+          </a:p>
+        </p:txBody>
+      </p:sp>
+      <p:sp>
+        <p:nvSpPr>
+          <p:cNvPr id="5" name="TextBox 4">
+            <a:extLst>
+              <a:ext uri="{FF2B5EF4-FFF2-40B4-BE49-F238E27FC236}">
+                <a16:creationId xmlns:a16="http://schemas.microsoft.com/office/drawing/2014/main" id="{2E54294C-1BAD-0DE6-FF71-979252487F8D}"/>
+              </a:ext>
+            </a:extLst>
+          </p:cNvPr>
+          <p:cNvSpPr txBox="1"/>
+          <p:nvPr/>
+        </p:nvSpPr>
+        <p:spPr>
+          <a:xfrm>
+            <a:off x="395329" y="862729"/>
+            <a:ext cx="2441656" cy="1200329"/>
+          </a:xfrm>
+          <a:prstGeom prst="rect">
+            <a:avLst/>
+          </a:prstGeom>
+          <a:noFill/>
+          <a:ln>
+            <a:solidFill>
+              <a:schemeClr val="tx1"/>
+            </a:solidFill>
+          </a:ln>
+        </p:spPr>
+        <p:txBody>
+          <a:bodyPr wrap="square" rtlCol="0">
+            <a:spAutoFit/>
+          </a:bodyPr>
+          <a:lstStyle/>
+          <a:p>
+            <a:r>
+              <a:rPr lang="en-US" dirty="0"/>
+              <a:t>Select Criteria:</a:t>
+            </a:r>
+          </a:p>
+          <a:p>
+            <a:r>
+              <a:rPr lang="en-US" dirty="0"/>
+              <a:t>Open or closed</a:t>
+            </a:r>
+          </a:p>
+          <a:p>
+            <a:r>
+              <a:rPr lang="en-US" dirty="0"/>
+              <a:t>Category</a:t>
+            </a:r>
+          </a:p>
+          <a:p>
+            <a:r>
+              <a:rPr lang="en-US" dirty="0"/>
+              <a:t>Subcategory</a:t>
+            </a:r>
+          </a:p>
+        </p:txBody>
+      </p:sp>
+      <p:sp>
+        <p:nvSpPr>
+          <p:cNvPr id="6" name="TextBox 5">
+            <a:extLst>
+              <a:ext uri="{FF2B5EF4-FFF2-40B4-BE49-F238E27FC236}">
+                <a16:creationId xmlns:a16="http://schemas.microsoft.com/office/drawing/2014/main" id="{726B564E-A3B8-AA4A-0DD9-7B14455AE6E8}"/>
+              </a:ext>
+            </a:extLst>
+          </p:cNvPr>
+          <p:cNvSpPr txBox="1"/>
+          <p:nvPr/>
+        </p:nvSpPr>
+        <p:spPr>
+          <a:xfrm>
+            <a:off x="3458960" y="4088620"/>
+            <a:ext cx="6917266" cy="369332"/>
+          </a:xfrm>
+          <a:prstGeom prst="rect">
+            <a:avLst/>
+          </a:prstGeom>
+          <a:noFill/>
+          <a:ln>
+            <a:solidFill>
+              <a:schemeClr val="tx1"/>
+            </a:solidFill>
+          </a:ln>
+        </p:spPr>
+        <p:txBody>
+          <a:bodyPr wrap="square" rtlCol="0">
+            <a:spAutoFit/>
+          </a:bodyPr>
+          <a:lstStyle/>
+          <a:p>
+            <a:r>
+              <a:rPr lang="en-US" dirty="0"/>
+              <a:t>List of open/closed tickets</a:t>
+            </a:r>
+          </a:p>
+        </p:txBody>
+      </p:sp>
+      <p:sp>
+        <p:nvSpPr>
+          <p:cNvPr id="7" name="TextBox 6">
+            <a:extLst>
+              <a:ext uri="{FF2B5EF4-FFF2-40B4-BE49-F238E27FC236}">
+                <a16:creationId xmlns:a16="http://schemas.microsoft.com/office/drawing/2014/main" id="{74F96175-43A7-3DFE-29FC-ED615B3C8E2F}"/>
+              </a:ext>
+            </a:extLst>
+          </p:cNvPr>
+          <p:cNvSpPr txBox="1"/>
+          <p:nvPr/>
+        </p:nvSpPr>
+        <p:spPr>
+          <a:xfrm>
+            <a:off x="3528321" y="862729"/>
+            <a:ext cx="2441656" cy="923330"/>
+          </a:xfrm>
+          <a:prstGeom prst="rect">
+            <a:avLst/>
+          </a:prstGeom>
+          <a:noFill/>
+          <a:ln>
+            <a:solidFill>
+              <a:schemeClr val="tx1"/>
+            </a:solidFill>
+          </a:ln>
+        </p:spPr>
+        <p:txBody>
+          <a:bodyPr wrap="square" rtlCol="0">
+            <a:spAutoFit/>
+          </a:bodyPr>
+          <a:lstStyle/>
+          <a:p>
+            <a:r>
+              <a:rPr lang="en-US" dirty="0"/>
+              <a:t>Qty open tickets by </a:t>
+            </a:r>
+            <a:r>
+              <a:rPr lang="en-US"/>
+              <a:t>category and  </a:t>
+            </a:r>
+            <a:r>
+              <a:rPr lang="en-US" dirty="0"/>
+              <a:t>subcategory</a:t>
+            </a:r>
+          </a:p>
+        </p:txBody>
+      </p:sp>
+      <p:sp>
+        <p:nvSpPr>
+          <p:cNvPr id="8" name="TextBox 7">
+            <a:extLst>
+              <a:ext uri="{FF2B5EF4-FFF2-40B4-BE49-F238E27FC236}">
+                <a16:creationId xmlns:a16="http://schemas.microsoft.com/office/drawing/2014/main" id="{3D693245-552E-D6C2-2344-211E57F185E8}"/>
+              </a:ext>
+            </a:extLst>
+          </p:cNvPr>
+          <p:cNvSpPr txBox="1"/>
+          <p:nvPr/>
+        </p:nvSpPr>
+        <p:spPr>
+          <a:xfrm>
+            <a:off x="6661313" y="862729"/>
+            <a:ext cx="2441656" cy="923330"/>
+          </a:xfrm>
+          <a:prstGeom prst="rect">
+            <a:avLst/>
+          </a:prstGeom>
+          <a:noFill/>
+          <a:ln>
+            <a:solidFill>
+              <a:schemeClr val="tx1"/>
+            </a:solidFill>
+          </a:ln>
+        </p:spPr>
+        <p:txBody>
+          <a:bodyPr wrap="square" rtlCol="0">
+            <a:spAutoFit/>
+          </a:bodyPr>
+          <a:lstStyle/>
+          <a:p>
+            <a:r>
+              <a:rPr lang="en-US" dirty="0"/>
+              <a:t>Days open bins per subcategory (open tickets only)</a:t>
+            </a:r>
+          </a:p>
+        </p:txBody>
+      </p:sp>
+      <p:sp>
+        <p:nvSpPr>
+          <p:cNvPr id="9" name="TextBox 8">
+            <a:extLst>
+              <a:ext uri="{FF2B5EF4-FFF2-40B4-BE49-F238E27FC236}">
+                <a16:creationId xmlns:a16="http://schemas.microsoft.com/office/drawing/2014/main" id="{21D16B43-EE86-1867-43C8-A4A962E8913F}"/>
+              </a:ext>
+            </a:extLst>
+          </p:cNvPr>
+          <p:cNvSpPr txBox="1"/>
+          <p:nvPr/>
+        </p:nvSpPr>
+        <p:spPr>
+          <a:xfrm>
+            <a:off x="4875172" y="2307715"/>
+            <a:ext cx="2441656" cy="923330"/>
+          </a:xfrm>
+          <a:prstGeom prst="rect">
+            <a:avLst/>
+          </a:prstGeom>
+          <a:noFill/>
+          <a:ln>
+            <a:solidFill>
+              <a:schemeClr val="tx1"/>
+            </a:solidFill>
+          </a:ln>
+        </p:spPr>
+        <p:txBody>
+          <a:bodyPr wrap="square" rtlCol="0">
+            <a:spAutoFit/>
+          </a:bodyPr>
+          <a:lstStyle/>
+          <a:p>
+            <a:r>
+              <a:rPr lang="en-US" dirty="0"/>
+              <a:t>Qty closed tickets by category and subcategory</a:t>
+            </a:r>
+          </a:p>
+        </p:txBody>
+      </p:sp>
+    </p:spTree>
+    <p:extLst>
+      <p:ext uri="{BB962C8B-B14F-4D97-AF65-F5344CB8AC3E}">
+        <p14:creationId xmlns:p14="http://schemas.microsoft.com/office/powerpoint/2010/main" val="701534512"/>
+      </p:ext>
+    </p:extLst>
+  </p:cSld>
+  <p:clrMapOvr>
+    <a:masterClrMapping/>
+  </p:clrMapOvr>
+</p:sld>
+</file>
+
 <file path=ppt/theme/theme1.xml><?xml version="1.0" encoding="utf-8"?>
 <a:theme xmlns:a="http://schemas.openxmlformats.org/drawingml/2006/main" name="Office Theme">
   <a:themeElements>

--- a/Resources/Mockup.pptx
+++ b/Resources/Mockup.pptx
@@ -127,7 +127,7 @@
 <file path=ppt/revisionInfo.xml><?xml version="1.0" encoding="utf-8"?>
 <p1510:revInfo xmlns:a="http://schemas.openxmlformats.org/drawingml/2006/main" xmlns:r="http://schemas.openxmlformats.org/officeDocument/2006/relationships" xmlns:p1510="http://schemas.microsoft.com/office/powerpoint/2015/10/main">
   <p1510:revLst>
-    <p1510:client id="{BDAA89D7-5749-4282-9E8D-F0E1952C1927}" v="10" dt="2022-06-24T13:42:21.351"/>
+    <p1510:client id="{BDAA89D7-5749-4282-9E8D-F0E1952C1927}" v="11" dt="2022-06-28T17:02:38.714"/>
   </p1510:revLst>
 </p1510:revInfo>
 </file>
@@ -137,7 +137,7 @@
   <pc:docChgLst>
     <pc:chgData name="Chris and Marisa Shideler" userId="9fdb53cd27a090d0" providerId="LiveId" clId="{BDAA89D7-5749-4282-9E8D-F0E1952C1927}"/>
     <pc:docChg chg="undo custSel addSld modSld">
-      <pc:chgData name="Chris and Marisa Shideler" userId="9fdb53cd27a090d0" providerId="LiveId" clId="{BDAA89D7-5749-4282-9E8D-F0E1952C1927}" dt="2022-06-24T15:47:00.907" v="494" actId="20577"/>
+      <pc:chgData name="Chris and Marisa Shideler" userId="9fdb53cd27a090d0" providerId="LiveId" clId="{BDAA89D7-5749-4282-9E8D-F0E1952C1927}" dt="2022-06-29T16:47:36.289" v="576" actId="478"/>
       <pc:docMkLst>
         <pc:docMk/>
       </pc:docMkLst>
@@ -221,7 +221,7 @@
         </pc:spChg>
       </pc:sldChg>
       <pc:sldChg chg="addSp delSp modSp new mod modClrScheme chgLayout">
-        <pc:chgData name="Chris and Marisa Shideler" userId="9fdb53cd27a090d0" providerId="LiveId" clId="{BDAA89D7-5749-4282-9E8D-F0E1952C1927}" dt="2022-06-24T15:47:00.907" v="494" actId="20577"/>
+        <pc:chgData name="Chris and Marisa Shideler" userId="9fdb53cd27a090d0" providerId="LiveId" clId="{BDAA89D7-5749-4282-9E8D-F0E1952C1927}" dt="2022-06-29T16:47:36.289" v="576" actId="478"/>
         <pc:sldMkLst>
           <pc:docMk/>
           <pc:sldMk cId="701534512" sldId="257"/>
@@ -250,8 +250,8 @@
             <ac:spMk id="4" creationId="{A0F51627-8FCE-F72E-4ADF-560FD3346C53}"/>
           </ac:spMkLst>
         </pc:spChg>
-        <pc:spChg chg="add mod">
-          <ac:chgData name="Chris and Marisa Shideler" userId="9fdb53cd27a090d0" providerId="LiveId" clId="{BDAA89D7-5749-4282-9E8D-F0E1952C1927}" dt="2022-06-24T13:44:15.895" v="493" actId="20577"/>
+        <pc:spChg chg="add del mod">
+          <ac:chgData name="Chris and Marisa Shideler" userId="9fdb53cd27a090d0" providerId="LiveId" clId="{BDAA89D7-5749-4282-9E8D-F0E1952C1927}" dt="2022-06-29T16:47:36.289" v="576" actId="478"/>
           <ac:spMkLst>
             <pc:docMk/>
             <pc:sldMk cId="701534512" sldId="257"/>
@@ -259,7 +259,7 @@
           </ac:spMkLst>
         </pc:spChg>
         <pc:spChg chg="add mod">
-          <ac:chgData name="Chris and Marisa Shideler" userId="9fdb53cd27a090d0" providerId="LiveId" clId="{BDAA89D7-5749-4282-9E8D-F0E1952C1927}" dt="2022-06-24T13:39:21.987" v="365" actId="1076"/>
+          <ac:chgData name="Chris and Marisa Shideler" userId="9fdb53cd27a090d0" providerId="LiveId" clId="{BDAA89D7-5749-4282-9E8D-F0E1952C1927}" dt="2022-06-28T16:45:35.518" v="529" actId="1076"/>
           <ac:spMkLst>
             <pc:docMk/>
             <pc:sldMk cId="701534512" sldId="257"/>
@@ -267,7 +267,7 @@
           </ac:spMkLst>
         </pc:spChg>
         <pc:spChg chg="add mod">
-          <ac:chgData name="Chris and Marisa Shideler" userId="9fdb53cd27a090d0" providerId="LiveId" clId="{BDAA89D7-5749-4282-9E8D-F0E1952C1927}" dt="2022-06-24T15:47:00.907" v="494" actId="20577"/>
+          <ac:chgData name="Chris and Marisa Shideler" userId="9fdb53cd27a090d0" providerId="LiveId" clId="{BDAA89D7-5749-4282-9E8D-F0E1952C1927}" dt="2022-06-28T17:02:59.254" v="574" actId="20577"/>
           <ac:spMkLst>
             <pc:docMk/>
             <pc:sldMk cId="701534512" sldId="257"/>
@@ -275,19 +275,27 @@
           </ac:spMkLst>
         </pc:spChg>
         <pc:spChg chg="add mod">
-          <ac:chgData name="Chris and Marisa Shideler" userId="9fdb53cd27a090d0" providerId="LiveId" clId="{BDAA89D7-5749-4282-9E8D-F0E1952C1927}" dt="2022-06-24T13:41:13.268" v="463" actId="20577"/>
+          <ac:chgData name="Chris and Marisa Shideler" userId="9fdb53cd27a090d0" providerId="LiveId" clId="{BDAA89D7-5749-4282-9E8D-F0E1952C1927}" dt="2022-06-28T17:02:41.451" v="570" actId="1076"/>
           <ac:spMkLst>
             <pc:docMk/>
             <pc:sldMk cId="701534512" sldId="257"/>
             <ac:spMk id="8" creationId="{3D693245-552E-D6C2-2344-211E57F185E8}"/>
           </ac:spMkLst>
         </pc:spChg>
-        <pc:spChg chg="add mod">
-          <ac:chgData name="Chris and Marisa Shideler" userId="9fdb53cd27a090d0" providerId="LiveId" clId="{BDAA89D7-5749-4282-9E8D-F0E1952C1927}" dt="2022-06-24T13:43:05.920" v="489" actId="1076"/>
+        <pc:spChg chg="add del mod">
+          <ac:chgData name="Chris and Marisa Shideler" userId="9fdb53cd27a090d0" providerId="LiveId" clId="{BDAA89D7-5749-4282-9E8D-F0E1952C1927}" dt="2022-06-28T16:41:42.328" v="513" actId="478"/>
           <ac:spMkLst>
             <pc:docMk/>
             <pc:sldMk cId="701534512" sldId="257"/>
             <ac:spMk id="9" creationId="{21D16B43-EE86-1867-43C8-A4A962E8913F}"/>
+          </ac:spMkLst>
+        </pc:spChg>
+        <pc:spChg chg="add mod">
+          <ac:chgData name="Chris and Marisa Shideler" userId="9fdb53cd27a090d0" providerId="LiveId" clId="{BDAA89D7-5749-4282-9E8D-F0E1952C1927}" dt="2022-06-28T17:03:05.258" v="575" actId="6549"/>
+          <ac:spMkLst>
+            <pc:docMk/>
+            <pc:sldMk cId="701534512" sldId="257"/>
+            <ac:spMk id="10" creationId="{15CBD353-7EE9-7999-0A11-8F5206672D1F}"/>
           </ac:spMkLst>
         </pc:spChg>
       </pc:sldChg>
@@ -443,7 +451,7 @@
           <a:p>
             <a:fld id="{05A04CA7-B65A-4CCC-B1AB-F0252503BBAA}" type="datetimeFigureOut">
               <a:rPr lang="en-US" smtClean="0"/>
-              <a:t>6/23/2022</a:t>
+              <a:t>6/28/2022</a:t>
             </a:fld>
             <a:endParaRPr lang="en-US"/>
           </a:p>
@@ -641,7 +649,7 @@
           <a:p>
             <a:fld id="{05A04CA7-B65A-4CCC-B1AB-F0252503BBAA}" type="datetimeFigureOut">
               <a:rPr lang="en-US" smtClean="0"/>
-              <a:t>6/23/2022</a:t>
+              <a:t>6/28/2022</a:t>
             </a:fld>
             <a:endParaRPr lang="en-US"/>
           </a:p>
@@ -849,7 +857,7 @@
           <a:p>
             <a:fld id="{05A04CA7-B65A-4CCC-B1AB-F0252503BBAA}" type="datetimeFigureOut">
               <a:rPr lang="en-US" smtClean="0"/>
-              <a:t>6/23/2022</a:t>
+              <a:t>6/28/2022</a:t>
             </a:fld>
             <a:endParaRPr lang="en-US"/>
           </a:p>
@@ -1047,7 +1055,7 @@
           <a:p>
             <a:fld id="{05A04CA7-B65A-4CCC-B1AB-F0252503BBAA}" type="datetimeFigureOut">
               <a:rPr lang="en-US" smtClean="0"/>
-              <a:t>6/23/2022</a:t>
+              <a:t>6/28/2022</a:t>
             </a:fld>
             <a:endParaRPr lang="en-US"/>
           </a:p>
@@ -1322,7 +1330,7 @@
           <a:p>
             <a:fld id="{05A04CA7-B65A-4CCC-B1AB-F0252503BBAA}" type="datetimeFigureOut">
               <a:rPr lang="en-US" smtClean="0"/>
-              <a:t>6/23/2022</a:t>
+              <a:t>6/28/2022</a:t>
             </a:fld>
             <a:endParaRPr lang="en-US"/>
           </a:p>
@@ -1587,7 +1595,7 @@
           <a:p>
             <a:fld id="{05A04CA7-B65A-4CCC-B1AB-F0252503BBAA}" type="datetimeFigureOut">
               <a:rPr lang="en-US" smtClean="0"/>
-              <a:t>6/23/2022</a:t>
+              <a:t>6/28/2022</a:t>
             </a:fld>
             <a:endParaRPr lang="en-US"/>
           </a:p>
@@ -1999,7 +2007,7 @@
           <a:p>
             <a:fld id="{05A04CA7-B65A-4CCC-B1AB-F0252503BBAA}" type="datetimeFigureOut">
               <a:rPr lang="en-US" smtClean="0"/>
-              <a:t>6/23/2022</a:t>
+              <a:t>6/28/2022</a:t>
             </a:fld>
             <a:endParaRPr lang="en-US"/>
           </a:p>
@@ -2140,7 +2148,7 @@
           <a:p>
             <a:fld id="{05A04CA7-B65A-4CCC-B1AB-F0252503BBAA}" type="datetimeFigureOut">
               <a:rPr lang="en-US" smtClean="0"/>
-              <a:t>6/23/2022</a:t>
+              <a:t>6/28/2022</a:t>
             </a:fld>
             <a:endParaRPr lang="en-US"/>
           </a:p>
@@ -2253,7 +2261,7 @@
           <a:p>
             <a:fld id="{05A04CA7-B65A-4CCC-B1AB-F0252503BBAA}" type="datetimeFigureOut">
               <a:rPr lang="en-US" smtClean="0"/>
-              <a:t>6/23/2022</a:t>
+              <a:t>6/28/2022</a:t>
             </a:fld>
             <a:endParaRPr lang="en-US"/>
           </a:p>
@@ -2564,7 +2572,7 @@
           <a:p>
             <a:fld id="{05A04CA7-B65A-4CCC-B1AB-F0252503BBAA}" type="datetimeFigureOut">
               <a:rPr lang="en-US" smtClean="0"/>
-              <a:t>6/23/2022</a:t>
+              <a:t>6/28/2022</a:t>
             </a:fld>
             <a:endParaRPr lang="en-US"/>
           </a:p>
@@ -2852,7 +2860,7 @@
           <a:p>
             <a:fld id="{05A04CA7-B65A-4CCC-B1AB-F0252503BBAA}" type="datetimeFigureOut">
               <a:rPr lang="en-US" smtClean="0"/>
-              <a:t>6/23/2022</a:t>
+              <a:t>6/28/2022</a:t>
             </a:fld>
             <a:endParaRPr lang="en-US"/>
           </a:p>
@@ -3093,7 +3101,7 @@
           <a:p>
             <a:fld id="{05A04CA7-B65A-4CCC-B1AB-F0252503BBAA}" type="datetimeFigureOut">
               <a:rPr lang="en-US" smtClean="0"/>
-              <a:t>6/23/2022</a:t>
+              <a:t>6/28/2022</a:t>
             </a:fld>
             <a:endParaRPr lang="en-US"/>
           </a:p>
@@ -4034,10 +4042,10 @@
       </p:sp>
       <p:sp>
         <p:nvSpPr>
-          <p:cNvPr id="5" name="TextBox 4">
-            <a:extLst>
-              <a:ext uri="{FF2B5EF4-FFF2-40B4-BE49-F238E27FC236}">
-                <a16:creationId xmlns:a16="http://schemas.microsoft.com/office/drawing/2014/main" id="{2E54294C-1BAD-0DE6-FF71-979252487F8D}"/>
+          <p:cNvPr id="6" name="TextBox 5">
+            <a:extLst>
+              <a:ext uri="{FF2B5EF4-FFF2-40B4-BE49-F238E27FC236}">
+                <a16:creationId xmlns:a16="http://schemas.microsoft.com/office/drawing/2014/main" id="{726B564E-A3B8-AA4A-0DD9-7B14455AE6E8}"/>
               </a:ext>
             </a:extLst>
           </p:cNvPr>
@@ -4046,65 +4054,7 @@
         </p:nvSpPr>
         <p:spPr>
           <a:xfrm>
-            <a:off x="395329" y="862729"/>
-            <a:ext cx="2441656" cy="1200329"/>
-          </a:xfrm>
-          <a:prstGeom prst="rect">
-            <a:avLst/>
-          </a:prstGeom>
-          <a:noFill/>
-          <a:ln>
-            <a:solidFill>
-              <a:schemeClr val="tx1"/>
-            </a:solidFill>
-          </a:ln>
-        </p:spPr>
-        <p:txBody>
-          <a:bodyPr wrap="square" rtlCol="0">
-            <a:spAutoFit/>
-          </a:bodyPr>
-          <a:lstStyle/>
-          <a:p>
-            <a:r>
-              <a:rPr lang="en-US" dirty="0"/>
-              <a:t>Select Criteria:</a:t>
-            </a:r>
-          </a:p>
-          <a:p>
-            <a:r>
-              <a:rPr lang="en-US" dirty="0"/>
-              <a:t>Open or closed</a:t>
-            </a:r>
-          </a:p>
-          <a:p>
-            <a:r>
-              <a:rPr lang="en-US" dirty="0"/>
-              <a:t>Category</a:t>
-            </a:r>
-          </a:p>
-          <a:p>
-            <a:r>
-              <a:rPr lang="en-US" dirty="0"/>
-              <a:t>Subcategory</a:t>
-            </a:r>
-          </a:p>
-        </p:txBody>
-      </p:sp>
-      <p:sp>
-        <p:nvSpPr>
-          <p:cNvPr id="6" name="TextBox 5">
-            <a:extLst>
-              <a:ext uri="{FF2B5EF4-FFF2-40B4-BE49-F238E27FC236}">
-                <a16:creationId xmlns:a16="http://schemas.microsoft.com/office/drawing/2014/main" id="{726B564E-A3B8-AA4A-0DD9-7B14455AE6E8}"/>
-              </a:ext>
-            </a:extLst>
-          </p:cNvPr>
-          <p:cNvSpPr txBox="1"/>
-          <p:nvPr/>
-        </p:nvSpPr>
-        <p:spPr>
-          <a:xfrm>
-            <a:off x="3458960" y="4088620"/>
+            <a:off x="3361266" y="3482951"/>
             <a:ext cx="6917266" cy="369332"/>
           </a:xfrm>
           <a:prstGeom prst="rect">
@@ -4144,7 +4094,7 @@
         </p:nvSpPr>
         <p:spPr>
           <a:xfrm>
-            <a:off x="3528321" y="862729"/>
+            <a:off x="919610" y="1185894"/>
             <a:ext cx="2441656" cy="923330"/>
           </a:xfrm>
           <a:prstGeom prst="rect">
@@ -4165,15 +4115,7 @@
           <a:p>
             <a:r>
               <a:rPr lang="en-US" dirty="0"/>
-              <a:t>Qty open tickets by </a:t>
-            </a:r>
-            <a:r>
-              <a:rPr lang="en-US"/>
-              <a:t>category and  </a:t>
-            </a:r>
-            <a:r>
-              <a:rPr lang="en-US" dirty="0"/>
-              <a:t>subcategory</a:t>
+              <a:t>Total Qty tickets by subcategory and priority</a:t>
             </a:r>
           </a:p>
         </p:txBody>
@@ -4192,7 +4134,7 @@
         </p:nvSpPr>
         <p:spPr>
           <a:xfrm>
-            <a:off x="6661313" y="862729"/>
+            <a:off x="8830733" y="1185894"/>
             <a:ext cx="2441656" cy="923330"/>
           </a:xfrm>
           <a:prstGeom prst="rect">
@@ -4213,17 +4155,17 @@
           <a:p>
             <a:r>
               <a:rPr lang="en-US" dirty="0"/>
-              <a:t>Days open bins per subcategory (open tickets only)</a:t>
-            </a:r>
-          </a:p>
-        </p:txBody>
-      </p:sp>
-      <p:sp>
-        <p:nvSpPr>
-          <p:cNvPr id="9" name="TextBox 8">
-            <a:extLst>
-              <a:ext uri="{FF2B5EF4-FFF2-40B4-BE49-F238E27FC236}">
-                <a16:creationId xmlns:a16="http://schemas.microsoft.com/office/drawing/2014/main" id="{21D16B43-EE86-1867-43C8-A4A962E8913F}"/>
+              <a:t>Days open bins per subcategory (select state)</a:t>
+            </a:r>
+          </a:p>
+        </p:txBody>
+      </p:sp>
+      <p:sp>
+        <p:nvSpPr>
+          <p:cNvPr id="10" name="TextBox 9">
+            <a:extLst>
+              <a:ext uri="{FF2B5EF4-FFF2-40B4-BE49-F238E27FC236}">
+                <a16:creationId xmlns:a16="http://schemas.microsoft.com/office/drawing/2014/main" id="{15CBD353-7EE9-7999-0A11-8F5206672D1F}"/>
               </a:ext>
             </a:extLst>
           </p:cNvPr>
@@ -4232,7 +4174,7 @@
         </p:nvSpPr>
         <p:spPr>
           <a:xfrm>
-            <a:off x="4875172" y="2307715"/>
+            <a:off x="4875172" y="1143796"/>
             <a:ext cx="2441656" cy="923330"/>
           </a:xfrm>
           <a:prstGeom prst="rect">
@@ -4253,7 +4195,7 @@
           <a:p>
             <a:r>
               <a:rPr lang="en-US" dirty="0"/>
-              <a:t>Qty closed tickets by category and subcategory</a:t>
+              <a:t>Qty tickets by subcategory and priority (select state)</a:t>
             </a:r>
           </a:p>
         </p:txBody>
